--- a/ppt 16-9/1180.我有明天.pptx
+++ b/ppt 16-9/1180.我有明天.pptx
@@ -5,7 +5,7 @@
     <p:sldMasterId id="2147483648" r:id="rId1"/>
   </p:sldMasterIdLst>
   <p:sldIdLst>
-    <p:sldId id="694" r:id="rId2"/>
+    <p:sldId id="695" r:id="rId2"/>
   </p:sldIdLst>
   <p:sldSz cx="12192000" cy="6858000"/>
   <p:notesSz cx="6858000" cy="9144000"/>
@@ -129,7 +129,7 @@
           <p:cNvPr id="2" name="标题 1">
             <a:extLst>
               <a:ext uri="{FF2B5EF4-FFF2-40B4-BE49-F238E27FC236}">
-                <a16:creationId xmlns:a16="http://schemas.microsoft.com/office/drawing/2014/main" id="{F68C3026-B3E5-78F1-79FD-04E9048632C5}"/>
+                <a16:creationId xmlns:a16="http://schemas.microsoft.com/office/drawing/2014/main" id="{A2ECD1BE-26FB-8423-A89B-015E525AC42E}"/>
               </a:ext>
             </a:extLst>
           </p:cNvPr>
@@ -166,7 +166,7 @@
           <p:cNvPr id="3" name="副标题 2">
             <a:extLst>
               <a:ext uri="{FF2B5EF4-FFF2-40B4-BE49-F238E27FC236}">
-                <a16:creationId xmlns:a16="http://schemas.microsoft.com/office/drawing/2014/main" id="{802A71A8-A7C3-C5DE-EF4D-E4B26989448F}"/>
+                <a16:creationId xmlns:a16="http://schemas.microsoft.com/office/drawing/2014/main" id="{D68F6062-2B6A-5BBB-C782-F818AED8D802}"/>
               </a:ext>
             </a:extLst>
           </p:cNvPr>
@@ -236,7 +236,7 @@
           <p:cNvPr id="4" name="日期占位符 3">
             <a:extLst>
               <a:ext uri="{FF2B5EF4-FFF2-40B4-BE49-F238E27FC236}">
-                <a16:creationId xmlns:a16="http://schemas.microsoft.com/office/drawing/2014/main" id="{73D259F4-4C60-938D-B01B-C4D54820C3B0}"/>
+                <a16:creationId xmlns:a16="http://schemas.microsoft.com/office/drawing/2014/main" id="{605EC435-6D60-6EDB-5A5D-F60290E42C3B}"/>
               </a:ext>
             </a:extLst>
           </p:cNvPr>
@@ -252,7 +252,7 @@
           <a:bodyPr/>
           <a:lstStyle/>
           <a:p>
-            <a:fld id="{548BBF91-367D-4BEA-BB62-8F6CFD08B182}" type="datetimeFigureOut">
+            <a:fld id="{39AE0C19-BA2B-41E3-BEAB-2259580E610E}" type="datetimeFigureOut">
               <a:rPr lang="zh-CN" altLang="en-US" smtClean="0"/>
               <a:t>2024/3/10</a:t>
             </a:fld>
@@ -265,7 +265,7 @@
           <p:cNvPr id="5" name="页脚占位符 4">
             <a:extLst>
               <a:ext uri="{FF2B5EF4-FFF2-40B4-BE49-F238E27FC236}">
-                <a16:creationId xmlns:a16="http://schemas.microsoft.com/office/drawing/2014/main" id="{223FDDA1-7685-C4D2-C915-3805D3533639}"/>
+                <a16:creationId xmlns:a16="http://schemas.microsoft.com/office/drawing/2014/main" id="{143E16B2-45C7-8460-D638-703E140E1DF4}"/>
               </a:ext>
             </a:extLst>
           </p:cNvPr>
@@ -290,7 +290,7 @@
           <p:cNvPr id="6" name="灯片编号占位符 5">
             <a:extLst>
               <a:ext uri="{FF2B5EF4-FFF2-40B4-BE49-F238E27FC236}">
-                <a16:creationId xmlns:a16="http://schemas.microsoft.com/office/drawing/2014/main" id="{24D49227-9115-EEAB-46D6-CBFB0F5A1A86}"/>
+                <a16:creationId xmlns:a16="http://schemas.microsoft.com/office/drawing/2014/main" id="{7C737285-19B7-EA6F-3F57-EA1B51EDDD24}"/>
               </a:ext>
             </a:extLst>
           </p:cNvPr>
@@ -306,7 +306,7 @@
           <a:bodyPr/>
           <a:lstStyle/>
           <a:p>
-            <a:fld id="{9C290CB9-100F-484F-8A98-8A3651EC6EA6}" type="slidenum">
+            <a:fld id="{44FC3834-76F9-4B6E-BA92-1BAD38EDFFB4}" type="slidenum">
               <a:rPr lang="zh-CN" altLang="en-US" smtClean="0"/>
               <a:t>‹#›</a:t>
             </a:fld>
@@ -317,7 +317,7 @@
     </p:spTree>
     <p:extLst>
       <p:ext uri="{BB962C8B-B14F-4D97-AF65-F5344CB8AC3E}">
-        <p14:creationId xmlns:p14="http://schemas.microsoft.com/office/powerpoint/2010/main" val="1877798824"/>
+        <p14:creationId xmlns:p14="http://schemas.microsoft.com/office/powerpoint/2010/main" val="3737921891"/>
       </p:ext>
     </p:extLst>
   </p:cSld>
@@ -349,7 +349,7 @@
           <p:cNvPr id="2" name="标题 1">
             <a:extLst>
               <a:ext uri="{FF2B5EF4-FFF2-40B4-BE49-F238E27FC236}">
-                <a16:creationId xmlns:a16="http://schemas.microsoft.com/office/drawing/2014/main" id="{6640BAF4-93E6-186D-E02A-2D02D7D8F4EF}"/>
+                <a16:creationId xmlns:a16="http://schemas.microsoft.com/office/drawing/2014/main" id="{6E2F1798-13B3-1622-A4CF-86FABA3B87DA}"/>
               </a:ext>
             </a:extLst>
           </p:cNvPr>
@@ -377,7 +377,7 @@
           <p:cNvPr id="3" name="竖排文字占位符 2">
             <a:extLst>
               <a:ext uri="{FF2B5EF4-FFF2-40B4-BE49-F238E27FC236}">
-                <a16:creationId xmlns:a16="http://schemas.microsoft.com/office/drawing/2014/main" id="{B65E68A0-BE80-0DFE-EBEC-8D8830E4EFF3}"/>
+                <a16:creationId xmlns:a16="http://schemas.microsoft.com/office/drawing/2014/main" id="{F7FA3486-B533-7411-EBE9-3CB609D436EB}"/>
               </a:ext>
             </a:extLst>
           </p:cNvPr>
@@ -434,7 +434,7 @@
           <p:cNvPr id="4" name="日期占位符 3">
             <a:extLst>
               <a:ext uri="{FF2B5EF4-FFF2-40B4-BE49-F238E27FC236}">
-                <a16:creationId xmlns:a16="http://schemas.microsoft.com/office/drawing/2014/main" id="{9B72AC2A-00E4-FC4C-0A06-FFECDC1455EE}"/>
+                <a16:creationId xmlns:a16="http://schemas.microsoft.com/office/drawing/2014/main" id="{7A261784-F4A1-3ACF-1A25-ACAF4B8E14E8}"/>
               </a:ext>
             </a:extLst>
           </p:cNvPr>
@@ -450,7 +450,7 @@
           <a:bodyPr/>
           <a:lstStyle/>
           <a:p>
-            <a:fld id="{548BBF91-367D-4BEA-BB62-8F6CFD08B182}" type="datetimeFigureOut">
+            <a:fld id="{39AE0C19-BA2B-41E3-BEAB-2259580E610E}" type="datetimeFigureOut">
               <a:rPr lang="zh-CN" altLang="en-US" smtClean="0"/>
               <a:t>2024/3/10</a:t>
             </a:fld>
@@ -463,7 +463,7 @@
           <p:cNvPr id="5" name="页脚占位符 4">
             <a:extLst>
               <a:ext uri="{FF2B5EF4-FFF2-40B4-BE49-F238E27FC236}">
-                <a16:creationId xmlns:a16="http://schemas.microsoft.com/office/drawing/2014/main" id="{8807D660-E35C-2367-45D7-8C471082EA49}"/>
+                <a16:creationId xmlns:a16="http://schemas.microsoft.com/office/drawing/2014/main" id="{588D292D-1FD8-2BC1-FDE9-020C986C21AE}"/>
               </a:ext>
             </a:extLst>
           </p:cNvPr>
@@ -488,7 +488,7 @@
           <p:cNvPr id="6" name="灯片编号占位符 5">
             <a:extLst>
               <a:ext uri="{FF2B5EF4-FFF2-40B4-BE49-F238E27FC236}">
-                <a16:creationId xmlns:a16="http://schemas.microsoft.com/office/drawing/2014/main" id="{D3AA1A61-37CB-36DF-4B8C-C3E1D9DD1409}"/>
+                <a16:creationId xmlns:a16="http://schemas.microsoft.com/office/drawing/2014/main" id="{42855919-FDF5-3004-FE24-0995714D7011}"/>
               </a:ext>
             </a:extLst>
           </p:cNvPr>
@@ -504,7 +504,7 @@
           <a:bodyPr/>
           <a:lstStyle/>
           <a:p>
-            <a:fld id="{9C290CB9-100F-484F-8A98-8A3651EC6EA6}" type="slidenum">
+            <a:fld id="{44FC3834-76F9-4B6E-BA92-1BAD38EDFFB4}" type="slidenum">
               <a:rPr lang="zh-CN" altLang="en-US" smtClean="0"/>
               <a:t>‹#›</a:t>
             </a:fld>
@@ -515,7 +515,7 @@
     </p:spTree>
     <p:extLst>
       <p:ext uri="{BB962C8B-B14F-4D97-AF65-F5344CB8AC3E}">
-        <p14:creationId xmlns:p14="http://schemas.microsoft.com/office/powerpoint/2010/main" val="4048057527"/>
+        <p14:creationId xmlns:p14="http://schemas.microsoft.com/office/powerpoint/2010/main" val="107004784"/>
       </p:ext>
     </p:extLst>
   </p:cSld>
@@ -547,7 +547,7 @@
           <p:cNvPr id="2" name="竖排标题 1">
             <a:extLst>
               <a:ext uri="{FF2B5EF4-FFF2-40B4-BE49-F238E27FC236}">
-                <a16:creationId xmlns:a16="http://schemas.microsoft.com/office/drawing/2014/main" id="{28CAF6B3-1A69-D30B-C921-96B5B44B3F4D}"/>
+                <a16:creationId xmlns:a16="http://schemas.microsoft.com/office/drawing/2014/main" id="{D0DCD677-CA50-43CB-1945-064CE2C17A4C}"/>
               </a:ext>
             </a:extLst>
           </p:cNvPr>
@@ -580,7 +580,7 @@
           <p:cNvPr id="3" name="竖排文字占位符 2">
             <a:extLst>
               <a:ext uri="{FF2B5EF4-FFF2-40B4-BE49-F238E27FC236}">
-                <a16:creationId xmlns:a16="http://schemas.microsoft.com/office/drawing/2014/main" id="{1ABA851B-C7A8-5285-7E6A-79DEABCA4115}"/>
+                <a16:creationId xmlns:a16="http://schemas.microsoft.com/office/drawing/2014/main" id="{66EDA94E-3E20-9FE4-F35C-55CE0A1DF44E}"/>
               </a:ext>
             </a:extLst>
           </p:cNvPr>
@@ -642,7 +642,7 @@
           <p:cNvPr id="4" name="日期占位符 3">
             <a:extLst>
               <a:ext uri="{FF2B5EF4-FFF2-40B4-BE49-F238E27FC236}">
-                <a16:creationId xmlns:a16="http://schemas.microsoft.com/office/drawing/2014/main" id="{E758BACE-69FD-0ED2-4F18-2CC34275A259}"/>
+                <a16:creationId xmlns:a16="http://schemas.microsoft.com/office/drawing/2014/main" id="{BD828129-291C-0EF8-2DB4-C9FCB9A6BAF3}"/>
               </a:ext>
             </a:extLst>
           </p:cNvPr>
@@ -658,7 +658,7 @@
           <a:bodyPr/>
           <a:lstStyle/>
           <a:p>
-            <a:fld id="{548BBF91-367D-4BEA-BB62-8F6CFD08B182}" type="datetimeFigureOut">
+            <a:fld id="{39AE0C19-BA2B-41E3-BEAB-2259580E610E}" type="datetimeFigureOut">
               <a:rPr lang="zh-CN" altLang="en-US" smtClean="0"/>
               <a:t>2024/3/10</a:t>
             </a:fld>
@@ -671,7 +671,7 @@
           <p:cNvPr id="5" name="页脚占位符 4">
             <a:extLst>
               <a:ext uri="{FF2B5EF4-FFF2-40B4-BE49-F238E27FC236}">
-                <a16:creationId xmlns:a16="http://schemas.microsoft.com/office/drawing/2014/main" id="{6C74FADD-8CDC-DB2F-2401-DB0C2D291C6A}"/>
+                <a16:creationId xmlns:a16="http://schemas.microsoft.com/office/drawing/2014/main" id="{AE52F392-D16C-6030-D425-4B71DA0DE9E3}"/>
               </a:ext>
             </a:extLst>
           </p:cNvPr>
@@ -696,7 +696,7 @@
           <p:cNvPr id="6" name="灯片编号占位符 5">
             <a:extLst>
               <a:ext uri="{FF2B5EF4-FFF2-40B4-BE49-F238E27FC236}">
-                <a16:creationId xmlns:a16="http://schemas.microsoft.com/office/drawing/2014/main" id="{496CECE5-E4F1-1CD1-D9B8-993A07770C7E}"/>
+                <a16:creationId xmlns:a16="http://schemas.microsoft.com/office/drawing/2014/main" id="{BDCE0042-7A8B-023C-1629-053CCFD82998}"/>
               </a:ext>
             </a:extLst>
           </p:cNvPr>
@@ -712,7 +712,7 @@
           <a:bodyPr/>
           <a:lstStyle/>
           <a:p>
-            <a:fld id="{9C290CB9-100F-484F-8A98-8A3651EC6EA6}" type="slidenum">
+            <a:fld id="{44FC3834-76F9-4B6E-BA92-1BAD38EDFFB4}" type="slidenum">
               <a:rPr lang="zh-CN" altLang="en-US" smtClean="0"/>
               <a:t>‹#›</a:t>
             </a:fld>
@@ -723,7 +723,7 @@
     </p:spTree>
     <p:extLst>
       <p:ext uri="{BB962C8B-B14F-4D97-AF65-F5344CB8AC3E}">
-        <p14:creationId xmlns:p14="http://schemas.microsoft.com/office/powerpoint/2010/main" val="1004213055"/>
+        <p14:creationId xmlns:p14="http://schemas.microsoft.com/office/powerpoint/2010/main" val="276315820"/>
       </p:ext>
     </p:extLst>
   </p:cSld>
@@ -755,7 +755,7 @@
           <p:cNvPr id="2" name="标题 1">
             <a:extLst>
               <a:ext uri="{FF2B5EF4-FFF2-40B4-BE49-F238E27FC236}">
-                <a16:creationId xmlns:a16="http://schemas.microsoft.com/office/drawing/2014/main" id="{51B8168D-3B24-69E4-C00D-4474C177C125}"/>
+                <a16:creationId xmlns:a16="http://schemas.microsoft.com/office/drawing/2014/main" id="{D47EEC47-257A-509E-A73C-569A8B7ACEF7}"/>
               </a:ext>
             </a:extLst>
           </p:cNvPr>
@@ -783,7 +783,7 @@
           <p:cNvPr id="3" name="内容占位符 2">
             <a:extLst>
               <a:ext uri="{FF2B5EF4-FFF2-40B4-BE49-F238E27FC236}">
-                <a16:creationId xmlns:a16="http://schemas.microsoft.com/office/drawing/2014/main" id="{AA5A5357-C007-D9F0-B82B-CAE81E938F59}"/>
+                <a16:creationId xmlns:a16="http://schemas.microsoft.com/office/drawing/2014/main" id="{40F2393B-14EE-0A15-5E8E-54ED8003C4A6}"/>
               </a:ext>
             </a:extLst>
           </p:cNvPr>
@@ -840,7 +840,7 @@
           <p:cNvPr id="4" name="日期占位符 3">
             <a:extLst>
               <a:ext uri="{FF2B5EF4-FFF2-40B4-BE49-F238E27FC236}">
-                <a16:creationId xmlns:a16="http://schemas.microsoft.com/office/drawing/2014/main" id="{9C893541-ECB8-B4BC-40D6-B2570155D9CE}"/>
+                <a16:creationId xmlns:a16="http://schemas.microsoft.com/office/drawing/2014/main" id="{CB03FF3A-8271-6567-3BF5-9FA84942B683}"/>
               </a:ext>
             </a:extLst>
           </p:cNvPr>
@@ -856,7 +856,7 @@
           <a:bodyPr/>
           <a:lstStyle/>
           <a:p>
-            <a:fld id="{548BBF91-367D-4BEA-BB62-8F6CFD08B182}" type="datetimeFigureOut">
+            <a:fld id="{39AE0C19-BA2B-41E3-BEAB-2259580E610E}" type="datetimeFigureOut">
               <a:rPr lang="zh-CN" altLang="en-US" smtClean="0"/>
               <a:t>2024/3/10</a:t>
             </a:fld>
@@ -869,7 +869,7 @@
           <p:cNvPr id="5" name="页脚占位符 4">
             <a:extLst>
               <a:ext uri="{FF2B5EF4-FFF2-40B4-BE49-F238E27FC236}">
-                <a16:creationId xmlns:a16="http://schemas.microsoft.com/office/drawing/2014/main" id="{CD023F9F-BF01-82BB-A844-9633F08E1B7C}"/>
+                <a16:creationId xmlns:a16="http://schemas.microsoft.com/office/drawing/2014/main" id="{51880B62-2B5E-3FD5-6FA3-015C4F2F5C18}"/>
               </a:ext>
             </a:extLst>
           </p:cNvPr>
@@ -894,7 +894,7 @@
           <p:cNvPr id="6" name="灯片编号占位符 5">
             <a:extLst>
               <a:ext uri="{FF2B5EF4-FFF2-40B4-BE49-F238E27FC236}">
-                <a16:creationId xmlns:a16="http://schemas.microsoft.com/office/drawing/2014/main" id="{D9ACFDD5-CD25-AA8C-5D80-F8C423FC1FDE}"/>
+                <a16:creationId xmlns:a16="http://schemas.microsoft.com/office/drawing/2014/main" id="{6B4FAA5E-3A6C-2E54-8270-D54A03F52CED}"/>
               </a:ext>
             </a:extLst>
           </p:cNvPr>
@@ -910,7 +910,7 @@
           <a:bodyPr/>
           <a:lstStyle/>
           <a:p>
-            <a:fld id="{9C290CB9-100F-484F-8A98-8A3651EC6EA6}" type="slidenum">
+            <a:fld id="{44FC3834-76F9-4B6E-BA92-1BAD38EDFFB4}" type="slidenum">
               <a:rPr lang="zh-CN" altLang="en-US" smtClean="0"/>
               <a:t>‹#›</a:t>
             </a:fld>
@@ -921,7 +921,7 @@
     </p:spTree>
     <p:extLst>
       <p:ext uri="{BB962C8B-B14F-4D97-AF65-F5344CB8AC3E}">
-        <p14:creationId xmlns:p14="http://schemas.microsoft.com/office/powerpoint/2010/main" val="2279148378"/>
+        <p14:creationId xmlns:p14="http://schemas.microsoft.com/office/powerpoint/2010/main" val="658982856"/>
       </p:ext>
     </p:extLst>
   </p:cSld>
@@ -953,7 +953,7 @@
           <p:cNvPr id="2" name="标题 1">
             <a:extLst>
               <a:ext uri="{FF2B5EF4-FFF2-40B4-BE49-F238E27FC236}">
-                <a16:creationId xmlns:a16="http://schemas.microsoft.com/office/drawing/2014/main" id="{386D2D89-16A7-FEF1-322F-E03ADDD6ECD2}"/>
+                <a16:creationId xmlns:a16="http://schemas.microsoft.com/office/drawing/2014/main" id="{C1436844-1DB0-0D90-924D-6E7576E8176F}"/>
               </a:ext>
             </a:extLst>
           </p:cNvPr>
@@ -990,7 +990,7 @@
           <p:cNvPr id="3" name="文本占位符 2">
             <a:extLst>
               <a:ext uri="{FF2B5EF4-FFF2-40B4-BE49-F238E27FC236}">
-                <a16:creationId xmlns:a16="http://schemas.microsoft.com/office/drawing/2014/main" id="{5B51CC89-19DA-298B-67B7-33A90F9A51B8}"/>
+                <a16:creationId xmlns:a16="http://schemas.microsoft.com/office/drawing/2014/main" id="{F6D210FF-3C5C-2C73-10BF-381E5D362495}"/>
               </a:ext>
             </a:extLst>
           </p:cNvPr>
@@ -1115,7 +1115,7 @@
           <p:cNvPr id="4" name="日期占位符 3">
             <a:extLst>
               <a:ext uri="{FF2B5EF4-FFF2-40B4-BE49-F238E27FC236}">
-                <a16:creationId xmlns:a16="http://schemas.microsoft.com/office/drawing/2014/main" id="{2A15DE6D-64DF-34BB-0A04-3B42203D7A3B}"/>
+                <a16:creationId xmlns:a16="http://schemas.microsoft.com/office/drawing/2014/main" id="{47BC06D6-BFBF-80F4-1244-6A295CB4124E}"/>
               </a:ext>
             </a:extLst>
           </p:cNvPr>
@@ -1131,7 +1131,7 @@
           <a:bodyPr/>
           <a:lstStyle/>
           <a:p>
-            <a:fld id="{548BBF91-367D-4BEA-BB62-8F6CFD08B182}" type="datetimeFigureOut">
+            <a:fld id="{39AE0C19-BA2B-41E3-BEAB-2259580E610E}" type="datetimeFigureOut">
               <a:rPr lang="zh-CN" altLang="en-US" smtClean="0"/>
               <a:t>2024/3/10</a:t>
             </a:fld>
@@ -1144,7 +1144,7 @@
           <p:cNvPr id="5" name="页脚占位符 4">
             <a:extLst>
               <a:ext uri="{FF2B5EF4-FFF2-40B4-BE49-F238E27FC236}">
-                <a16:creationId xmlns:a16="http://schemas.microsoft.com/office/drawing/2014/main" id="{81E9E62D-BFDE-8368-E358-398F7CE12B55}"/>
+                <a16:creationId xmlns:a16="http://schemas.microsoft.com/office/drawing/2014/main" id="{53371FAA-13F8-0216-7DAC-B2EC2C51DEE1}"/>
               </a:ext>
             </a:extLst>
           </p:cNvPr>
@@ -1169,7 +1169,7 @@
           <p:cNvPr id="6" name="灯片编号占位符 5">
             <a:extLst>
               <a:ext uri="{FF2B5EF4-FFF2-40B4-BE49-F238E27FC236}">
-                <a16:creationId xmlns:a16="http://schemas.microsoft.com/office/drawing/2014/main" id="{0C50E9FE-7DD4-4119-C2B3-1EB3A71A90C4}"/>
+                <a16:creationId xmlns:a16="http://schemas.microsoft.com/office/drawing/2014/main" id="{18DC63F7-7BDB-DA9F-2C79-B5B4CEDCD10B}"/>
               </a:ext>
             </a:extLst>
           </p:cNvPr>
@@ -1185,7 +1185,7 @@
           <a:bodyPr/>
           <a:lstStyle/>
           <a:p>
-            <a:fld id="{9C290CB9-100F-484F-8A98-8A3651EC6EA6}" type="slidenum">
+            <a:fld id="{44FC3834-76F9-4B6E-BA92-1BAD38EDFFB4}" type="slidenum">
               <a:rPr lang="zh-CN" altLang="en-US" smtClean="0"/>
               <a:t>‹#›</a:t>
             </a:fld>
@@ -1196,7 +1196,7 @@
     </p:spTree>
     <p:extLst>
       <p:ext uri="{BB962C8B-B14F-4D97-AF65-F5344CB8AC3E}">
-        <p14:creationId xmlns:p14="http://schemas.microsoft.com/office/powerpoint/2010/main" val="71665398"/>
+        <p14:creationId xmlns:p14="http://schemas.microsoft.com/office/powerpoint/2010/main" val="3849635783"/>
       </p:ext>
     </p:extLst>
   </p:cSld>
@@ -1228,7 +1228,7 @@
           <p:cNvPr id="2" name="标题 1">
             <a:extLst>
               <a:ext uri="{FF2B5EF4-FFF2-40B4-BE49-F238E27FC236}">
-                <a16:creationId xmlns:a16="http://schemas.microsoft.com/office/drawing/2014/main" id="{E62B031D-D3CC-3991-08C8-505F8FA26164}"/>
+                <a16:creationId xmlns:a16="http://schemas.microsoft.com/office/drawing/2014/main" id="{9AAB0D8A-E8A3-C4AD-502E-850DA6A08218}"/>
               </a:ext>
             </a:extLst>
           </p:cNvPr>
@@ -1256,7 +1256,7 @@
           <p:cNvPr id="3" name="内容占位符 2">
             <a:extLst>
               <a:ext uri="{FF2B5EF4-FFF2-40B4-BE49-F238E27FC236}">
-                <a16:creationId xmlns:a16="http://schemas.microsoft.com/office/drawing/2014/main" id="{831273C3-C950-B095-0DF7-B33C9E72A1CF}"/>
+                <a16:creationId xmlns:a16="http://schemas.microsoft.com/office/drawing/2014/main" id="{13DCFC66-1144-1F14-DEE1-5EEF2AB88521}"/>
               </a:ext>
             </a:extLst>
           </p:cNvPr>
@@ -1318,7 +1318,7 @@
           <p:cNvPr id="4" name="内容占位符 3">
             <a:extLst>
               <a:ext uri="{FF2B5EF4-FFF2-40B4-BE49-F238E27FC236}">
-                <a16:creationId xmlns:a16="http://schemas.microsoft.com/office/drawing/2014/main" id="{30CF06BC-B115-56FB-3F80-94D309CFEF95}"/>
+                <a16:creationId xmlns:a16="http://schemas.microsoft.com/office/drawing/2014/main" id="{3529317C-8518-78AB-2685-1CC2E47C474E}"/>
               </a:ext>
             </a:extLst>
           </p:cNvPr>
@@ -1380,7 +1380,7 @@
           <p:cNvPr id="5" name="日期占位符 4">
             <a:extLst>
               <a:ext uri="{FF2B5EF4-FFF2-40B4-BE49-F238E27FC236}">
-                <a16:creationId xmlns:a16="http://schemas.microsoft.com/office/drawing/2014/main" id="{595D917F-3599-7F92-4F69-ECE7BB824056}"/>
+                <a16:creationId xmlns:a16="http://schemas.microsoft.com/office/drawing/2014/main" id="{5530938B-7C86-F7DE-2AF9-60E80E71131A}"/>
               </a:ext>
             </a:extLst>
           </p:cNvPr>
@@ -1396,7 +1396,7 @@
           <a:bodyPr/>
           <a:lstStyle/>
           <a:p>
-            <a:fld id="{548BBF91-367D-4BEA-BB62-8F6CFD08B182}" type="datetimeFigureOut">
+            <a:fld id="{39AE0C19-BA2B-41E3-BEAB-2259580E610E}" type="datetimeFigureOut">
               <a:rPr lang="zh-CN" altLang="en-US" smtClean="0"/>
               <a:t>2024/3/10</a:t>
             </a:fld>
@@ -1409,7 +1409,7 @@
           <p:cNvPr id="6" name="页脚占位符 5">
             <a:extLst>
               <a:ext uri="{FF2B5EF4-FFF2-40B4-BE49-F238E27FC236}">
-                <a16:creationId xmlns:a16="http://schemas.microsoft.com/office/drawing/2014/main" id="{72B2D2D1-54DE-FF28-C2B2-B8C8957AE9D3}"/>
+                <a16:creationId xmlns:a16="http://schemas.microsoft.com/office/drawing/2014/main" id="{F8867D61-9E0F-E131-B825-093538BA5813}"/>
               </a:ext>
             </a:extLst>
           </p:cNvPr>
@@ -1434,7 +1434,7 @@
           <p:cNvPr id="7" name="灯片编号占位符 6">
             <a:extLst>
               <a:ext uri="{FF2B5EF4-FFF2-40B4-BE49-F238E27FC236}">
-                <a16:creationId xmlns:a16="http://schemas.microsoft.com/office/drawing/2014/main" id="{447426FB-6B8D-F59B-6ED5-9A42BD173CD2}"/>
+                <a16:creationId xmlns:a16="http://schemas.microsoft.com/office/drawing/2014/main" id="{13258D49-439F-653E-6FD6-F0585E630EAD}"/>
               </a:ext>
             </a:extLst>
           </p:cNvPr>
@@ -1450,7 +1450,7 @@
           <a:bodyPr/>
           <a:lstStyle/>
           <a:p>
-            <a:fld id="{9C290CB9-100F-484F-8A98-8A3651EC6EA6}" type="slidenum">
+            <a:fld id="{44FC3834-76F9-4B6E-BA92-1BAD38EDFFB4}" type="slidenum">
               <a:rPr lang="zh-CN" altLang="en-US" smtClean="0"/>
               <a:t>‹#›</a:t>
             </a:fld>
@@ -1461,7 +1461,7 @@
     </p:spTree>
     <p:extLst>
       <p:ext uri="{BB962C8B-B14F-4D97-AF65-F5344CB8AC3E}">
-        <p14:creationId xmlns:p14="http://schemas.microsoft.com/office/powerpoint/2010/main" val="1216763392"/>
+        <p14:creationId xmlns:p14="http://schemas.microsoft.com/office/powerpoint/2010/main" val="126940217"/>
       </p:ext>
     </p:extLst>
   </p:cSld>
@@ -1493,7 +1493,7 @@
           <p:cNvPr id="2" name="标题 1">
             <a:extLst>
               <a:ext uri="{FF2B5EF4-FFF2-40B4-BE49-F238E27FC236}">
-                <a16:creationId xmlns:a16="http://schemas.microsoft.com/office/drawing/2014/main" id="{3D302ADA-DD39-FF3D-DCC0-E9164A587120}"/>
+                <a16:creationId xmlns:a16="http://schemas.microsoft.com/office/drawing/2014/main" id="{0CA6F502-AD69-26F3-6690-66936818C205}"/>
               </a:ext>
             </a:extLst>
           </p:cNvPr>
@@ -1526,7 +1526,7 @@
           <p:cNvPr id="3" name="文本占位符 2">
             <a:extLst>
               <a:ext uri="{FF2B5EF4-FFF2-40B4-BE49-F238E27FC236}">
-                <a16:creationId xmlns:a16="http://schemas.microsoft.com/office/drawing/2014/main" id="{1C2AA4AC-F8DA-86C4-A3D1-BE63AD6E40F2}"/>
+                <a16:creationId xmlns:a16="http://schemas.microsoft.com/office/drawing/2014/main" id="{5089F16D-D2F9-DE7C-C56F-D1EEFCE87BB8}"/>
               </a:ext>
             </a:extLst>
           </p:cNvPr>
@@ -1597,7 +1597,7 @@
           <p:cNvPr id="4" name="内容占位符 3">
             <a:extLst>
               <a:ext uri="{FF2B5EF4-FFF2-40B4-BE49-F238E27FC236}">
-                <a16:creationId xmlns:a16="http://schemas.microsoft.com/office/drawing/2014/main" id="{EA625A15-D422-10F9-4581-1E8B5699C94C}"/>
+                <a16:creationId xmlns:a16="http://schemas.microsoft.com/office/drawing/2014/main" id="{B2373435-F184-FB47-9416-BDB042CC2F91}"/>
               </a:ext>
             </a:extLst>
           </p:cNvPr>
@@ -1659,7 +1659,7 @@
           <p:cNvPr id="5" name="文本占位符 4">
             <a:extLst>
               <a:ext uri="{FF2B5EF4-FFF2-40B4-BE49-F238E27FC236}">
-                <a16:creationId xmlns:a16="http://schemas.microsoft.com/office/drawing/2014/main" id="{535B06E5-589A-92CE-A7FF-61FAE658C52B}"/>
+                <a16:creationId xmlns:a16="http://schemas.microsoft.com/office/drawing/2014/main" id="{6462CD4F-7C8B-1E99-7ABF-28BDD9FCF334}"/>
               </a:ext>
             </a:extLst>
           </p:cNvPr>
@@ -1730,7 +1730,7 @@
           <p:cNvPr id="6" name="内容占位符 5">
             <a:extLst>
               <a:ext uri="{FF2B5EF4-FFF2-40B4-BE49-F238E27FC236}">
-                <a16:creationId xmlns:a16="http://schemas.microsoft.com/office/drawing/2014/main" id="{3578B369-54B3-FFB7-8037-50CA26643BB9}"/>
+                <a16:creationId xmlns:a16="http://schemas.microsoft.com/office/drawing/2014/main" id="{6546588F-0513-031F-CC7B-47ABDA687182}"/>
               </a:ext>
             </a:extLst>
           </p:cNvPr>
@@ -1792,7 +1792,7 @@
           <p:cNvPr id="7" name="日期占位符 6">
             <a:extLst>
               <a:ext uri="{FF2B5EF4-FFF2-40B4-BE49-F238E27FC236}">
-                <a16:creationId xmlns:a16="http://schemas.microsoft.com/office/drawing/2014/main" id="{3ECF4D65-048D-757F-A6F6-87C890039BF9}"/>
+                <a16:creationId xmlns:a16="http://schemas.microsoft.com/office/drawing/2014/main" id="{138E78B8-51CB-0327-B810-F04482BAB6BA}"/>
               </a:ext>
             </a:extLst>
           </p:cNvPr>
@@ -1808,7 +1808,7 @@
           <a:bodyPr/>
           <a:lstStyle/>
           <a:p>
-            <a:fld id="{548BBF91-367D-4BEA-BB62-8F6CFD08B182}" type="datetimeFigureOut">
+            <a:fld id="{39AE0C19-BA2B-41E3-BEAB-2259580E610E}" type="datetimeFigureOut">
               <a:rPr lang="zh-CN" altLang="en-US" smtClean="0"/>
               <a:t>2024/3/10</a:t>
             </a:fld>
@@ -1821,7 +1821,7 @@
           <p:cNvPr id="8" name="页脚占位符 7">
             <a:extLst>
               <a:ext uri="{FF2B5EF4-FFF2-40B4-BE49-F238E27FC236}">
-                <a16:creationId xmlns:a16="http://schemas.microsoft.com/office/drawing/2014/main" id="{6A073A8A-1161-04B1-D80F-FE02B7E6BD36}"/>
+                <a16:creationId xmlns:a16="http://schemas.microsoft.com/office/drawing/2014/main" id="{1657C765-EC73-855B-ECD8-B16B517CA525}"/>
               </a:ext>
             </a:extLst>
           </p:cNvPr>
@@ -1846,7 +1846,7 @@
           <p:cNvPr id="9" name="灯片编号占位符 8">
             <a:extLst>
               <a:ext uri="{FF2B5EF4-FFF2-40B4-BE49-F238E27FC236}">
-                <a16:creationId xmlns:a16="http://schemas.microsoft.com/office/drawing/2014/main" id="{B0A05268-E0CE-8EE5-8FF1-820446339D3A}"/>
+                <a16:creationId xmlns:a16="http://schemas.microsoft.com/office/drawing/2014/main" id="{A44120EB-C120-D882-1A8D-69857D11559A}"/>
               </a:ext>
             </a:extLst>
           </p:cNvPr>
@@ -1862,7 +1862,7 @@
           <a:bodyPr/>
           <a:lstStyle/>
           <a:p>
-            <a:fld id="{9C290CB9-100F-484F-8A98-8A3651EC6EA6}" type="slidenum">
+            <a:fld id="{44FC3834-76F9-4B6E-BA92-1BAD38EDFFB4}" type="slidenum">
               <a:rPr lang="zh-CN" altLang="en-US" smtClean="0"/>
               <a:t>‹#›</a:t>
             </a:fld>
@@ -1873,7 +1873,7 @@
     </p:spTree>
     <p:extLst>
       <p:ext uri="{BB962C8B-B14F-4D97-AF65-F5344CB8AC3E}">
-        <p14:creationId xmlns:p14="http://schemas.microsoft.com/office/powerpoint/2010/main" val="2811597338"/>
+        <p14:creationId xmlns:p14="http://schemas.microsoft.com/office/powerpoint/2010/main" val="235683878"/>
       </p:ext>
     </p:extLst>
   </p:cSld>
@@ -1905,7 +1905,7 @@
           <p:cNvPr id="2" name="标题 1">
             <a:extLst>
               <a:ext uri="{FF2B5EF4-FFF2-40B4-BE49-F238E27FC236}">
-                <a16:creationId xmlns:a16="http://schemas.microsoft.com/office/drawing/2014/main" id="{7E29C1D1-F2EA-40F4-9AE2-9128A737816E}"/>
+                <a16:creationId xmlns:a16="http://schemas.microsoft.com/office/drawing/2014/main" id="{472DC79C-C119-50ED-46CC-ADAD68D67362}"/>
               </a:ext>
             </a:extLst>
           </p:cNvPr>
@@ -1933,7 +1933,7 @@
           <p:cNvPr id="3" name="日期占位符 2">
             <a:extLst>
               <a:ext uri="{FF2B5EF4-FFF2-40B4-BE49-F238E27FC236}">
-                <a16:creationId xmlns:a16="http://schemas.microsoft.com/office/drawing/2014/main" id="{DBDB4CC5-C0CE-9D06-66B8-A02BAE39EEDA}"/>
+                <a16:creationId xmlns:a16="http://schemas.microsoft.com/office/drawing/2014/main" id="{F719BA06-32DC-C714-1B9A-AD6F50E06F5D}"/>
               </a:ext>
             </a:extLst>
           </p:cNvPr>
@@ -1949,7 +1949,7 @@
           <a:bodyPr/>
           <a:lstStyle/>
           <a:p>
-            <a:fld id="{548BBF91-367D-4BEA-BB62-8F6CFD08B182}" type="datetimeFigureOut">
+            <a:fld id="{39AE0C19-BA2B-41E3-BEAB-2259580E610E}" type="datetimeFigureOut">
               <a:rPr lang="zh-CN" altLang="en-US" smtClean="0"/>
               <a:t>2024/3/10</a:t>
             </a:fld>
@@ -1962,7 +1962,7 @@
           <p:cNvPr id="4" name="页脚占位符 3">
             <a:extLst>
               <a:ext uri="{FF2B5EF4-FFF2-40B4-BE49-F238E27FC236}">
-                <a16:creationId xmlns:a16="http://schemas.microsoft.com/office/drawing/2014/main" id="{E75D2C3A-31BD-1F57-3E48-B152683827D2}"/>
+                <a16:creationId xmlns:a16="http://schemas.microsoft.com/office/drawing/2014/main" id="{47CC80CC-4AA1-713D-51D5-14DF589FBE70}"/>
               </a:ext>
             </a:extLst>
           </p:cNvPr>
@@ -1987,7 +1987,7 @@
           <p:cNvPr id="5" name="灯片编号占位符 4">
             <a:extLst>
               <a:ext uri="{FF2B5EF4-FFF2-40B4-BE49-F238E27FC236}">
-                <a16:creationId xmlns:a16="http://schemas.microsoft.com/office/drawing/2014/main" id="{1CF8CCDF-5B6A-E171-F66F-48A6ADDD8BAB}"/>
+                <a16:creationId xmlns:a16="http://schemas.microsoft.com/office/drawing/2014/main" id="{4493D75A-5512-860A-25A7-4EA5F98098C3}"/>
               </a:ext>
             </a:extLst>
           </p:cNvPr>
@@ -2003,7 +2003,7 @@
           <a:bodyPr/>
           <a:lstStyle/>
           <a:p>
-            <a:fld id="{9C290CB9-100F-484F-8A98-8A3651EC6EA6}" type="slidenum">
+            <a:fld id="{44FC3834-76F9-4B6E-BA92-1BAD38EDFFB4}" type="slidenum">
               <a:rPr lang="zh-CN" altLang="en-US" smtClean="0"/>
               <a:t>‹#›</a:t>
             </a:fld>
@@ -2014,7 +2014,7 @@
     </p:spTree>
     <p:extLst>
       <p:ext uri="{BB962C8B-B14F-4D97-AF65-F5344CB8AC3E}">
-        <p14:creationId xmlns:p14="http://schemas.microsoft.com/office/powerpoint/2010/main" val="1813711381"/>
+        <p14:creationId xmlns:p14="http://schemas.microsoft.com/office/powerpoint/2010/main" val="101696662"/>
       </p:ext>
     </p:extLst>
   </p:cSld>
@@ -2046,7 +2046,7 @@
           <p:cNvPr id="2" name="日期占位符 1">
             <a:extLst>
               <a:ext uri="{FF2B5EF4-FFF2-40B4-BE49-F238E27FC236}">
-                <a16:creationId xmlns:a16="http://schemas.microsoft.com/office/drawing/2014/main" id="{EDA7D9FA-8321-C644-F54B-5EF1F933F7B8}"/>
+                <a16:creationId xmlns:a16="http://schemas.microsoft.com/office/drawing/2014/main" id="{AAFAACE0-56B6-105B-A541-0EA99B75B9E3}"/>
               </a:ext>
             </a:extLst>
           </p:cNvPr>
@@ -2062,7 +2062,7 @@
           <a:bodyPr/>
           <a:lstStyle/>
           <a:p>
-            <a:fld id="{548BBF91-367D-4BEA-BB62-8F6CFD08B182}" type="datetimeFigureOut">
+            <a:fld id="{39AE0C19-BA2B-41E3-BEAB-2259580E610E}" type="datetimeFigureOut">
               <a:rPr lang="zh-CN" altLang="en-US" smtClean="0"/>
               <a:t>2024/3/10</a:t>
             </a:fld>
@@ -2075,7 +2075,7 @@
           <p:cNvPr id="3" name="页脚占位符 2">
             <a:extLst>
               <a:ext uri="{FF2B5EF4-FFF2-40B4-BE49-F238E27FC236}">
-                <a16:creationId xmlns:a16="http://schemas.microsoft.com/office/drawing/2014/main" id="{6B610AEF-9DDB-B9D4-6C5C-B38A8DC7A7A7}"/>
+                <a16:creationId xmlns:a16="http://schemas.microsoft.com/office/drawing/2014/main" id="{A697E7F4-8269-3A9B-5DDF-33812E97D455}"/>
               </a:ext>
             </a:extLst>
           </p:cNvPr>
@@ -2100,7 +2100,7 @@
           <p:cNvPr id="4" name="灯片编号占位符 3">
             <a:extLst>
               <a:ext uri="{FF2B5EF4-FFF2-40B4-BE49-F238E27FC236}">
-                <a16:creationId xmlns:a16="http://schemas.microsoft.com/office/drawing/2014/main" id="{FBF487A0-1B90-323F-EABF-1D31D6DC2D95}"/>
+                <a16:creationId xmlns:a16="http://schemas.microsoft.com/office/drawing/2014/main" id="{57F6E4F1-664C-E261-F204-1FD38771C55D}"/>
               </a:ext>
             </a:extLst>
           </p:cNvPr>
@@ -2116,7 +2116,7 @@
           <a:bodyPr/>
           <a:lstStyle/>
           <a:p>
-            <a:fld id="{9C290CB9-100F-484F-8A98-8A3651EC6EA6}" type="slidenum">
+            <a:fld id="{44FC3834-76F9-4B6E-BA92-1BAD38EDFFB4}" type="slidenum">
               <a:rPr lang="zh-CN" altLang="en-US" smtClean="0"/>
               <a:t>‹#›</a:t>
             </a:fld>
@@ -2127,7 +2127,7 @@
     </p:spTree>
     <p:extLst>
       <p:ext uri="{BB962C8B-B14F-4D97-AF65-F5344CB8AC3E}">
-        <p14:creationId xmlns:p14="http://schemas.microsoft.com/office/powerpoint/2010/main" val="3677265802"/>
+        <p14:creationId xmlns:p14="http://schemas.microsoft.com/office/powerpoint/2010/main" val="1606461371"/>
       </p:ext>
     </p:extLst>
   </p:cSld>
@@ -2159,7 +2159,7 @@
           <p:cNvPr id="2" name="标题 1">
             <a:extLst>
               <a:ext uri="{FF2B5EF4-FFF2-40B4-BE49-F238E27FC236}">
-                <a16:creationId xmlns:a16="http://schemas.microsoft.com/office/drawing/2014/main" id="{C8F184C0-D299-9503-1819-42968E2D6343}"/>
+                <a16:creationId xmlns:a16="http://schemas.microsoft.com/office/drawing/2014/main" id="{E395B596-8B1B-68A9-CAF5-400D8BB428D4}"/>
               </a:ext>
             </a:extLst>
           </p:cNvPr>
@@ -2196,7 +2196,7 @@
           <p:cNvPr id="3" name="内容占位符 2">
             <a:extLst>
               <a:ext uri="{FF2B5EF4-FFF2-40B4-BE49-F238E27FC236}">
-                <a16:creationId xmlns:a16="http://schemas.microsoft.com/office/drawing/2014/main" id="{F1A8EFCF-A560-160C-59CB-D4A2D1776778}"/>
+                <a16:creationId xmlns:a16="http://schemas.microsoft.com/office/drawing/2014/main" id="{E8E97C03-FAF6-FDB5-42A5-22E6C70E6D9B}"/>
               </a:ext>
             </a:extLst>
           </p:cNvPr>
@@ -2286,7 +2286,7 @@
           <p:cNvPr id="4" name="文本占位符 3">
             <a:extLst>
               <a:ext uri="{FF2B5EF4-FFF2-40B4-BE49-F238E27FC236}">
-                <a16:creationId xmlns:a16="http://schemas.microsoft.com/office/drawing/2014/main" id="{64770EB7-7AEF-6CF0-671B-905320651CF8}"/>
+                <a16:creationId xmlns:a16="http://schemas.microsoft.com/office/drawing/2014/main" id="{BBE9353E-F308-2CE2-5EE0-4D37EBB4A26A}"/>
               </a:ext>
             </a:extLst>
           </p:cNvPr>
@@ -2357,7 +2357,7 @@
           <p:cNvPr id="5" name="日期占位符 4">
             <a:extLst>
               <a:ext uri="{FF2B5EF4-FFF2-40B4-BE49-F238E27FC236}">
-                <a16:creationId xmlns:a16="http://schemas.microsoft.com/office/drawing/2014/main" id="{EB3E93AC-EF5A-09D7-5A50-C243F90953CB}"/>
+                <a16:creationId xmlns:a16="http://schemas.microsoft.com/office/drawing/2014/main" id="{EBA548FC-F292-98EF-A5AC-DC043C9F75FE}"/>
               </a:ext>
             </a:extLst>
           </p:cNvPr>
@@ -2373,7 +2373,7 @@
           <a:bodyPr/>
           <a:lstStyle/>
           <a:p>
-            <a:fld id="{548BBF91-367D-4BEA-BB62-8F6CFD08B182}" type="datetimeFigureOut">
+            <a:fld id="{39AE0C19-BA2B-41E3-BEAB-2259580E610E}" type="datetimeFigureOut">
               <a:rPr lang="zh-CN" altLang="en-US" smtClean="0"/>
               <a:t>2024/3/10</a:t>
             </a:fld>
@@ -2386,7 +2386,7 @@
           <p:cNvPr id="6" name="页脚占位符 5">
             <a:extLst>
               <a:ext uri="{FF2B5EF4-FFF2-40B4-BE49-F238E27FC236}">
-                <a16:creationId xmlns:a16="http://schemas.microsoft.com/office/drawing/2014/main" id="{A7F6F0D8-32C3-ECD2-556B-1ADDCA22AF11}"/>
+                <a16:creationId xmlns:a16="http://schemas.microsoft.com/office/drawing/2014/main" id="{E011E74D-ECEE-524F-D625-8FF4431A3F23}"/>
               </a:ext>
             </a:extLst>
           </p:cNvPr>
@@ -2411,7 +2411,7 @@
           <p:cNvPr id="7" name="灯片编号占位符 6">
             <a:extLst>
               <a:ext uri="{FF2B5EF4-FFF2-40B4-BE49-F238E27FC236}">
-                <a16:creationId xmlns:a16="http://schemas.microsoft.com/office/drawing/2014/main" id="{12FFAFBA-8C83-EC6D-D445-874F549E4608}"/>
+                <a16:creationId xmlns:a16="http://schemas.microsoft.com/office/drawing/2014/main" id="{AD4B96F4-8CC4-677E-CC42-CB751A790B84}"/>
               </a:ext>
             </a:extLst>
           </p:cNvPr>
@@ -2427,7 +2427,7 @@
           <a:bodyPr/>
           <a:lstStyle/>
           <a:p>
-            <a:fld id="{9C290CB9-100F-484F-8A98-8A3651EC6EA6}" type="slidenum">
+            <a:fld id="{44FC3834-76F9-4B6E-BA92-1BAD38EDFFB4}" type="slidenum">
               <a:rPr lang="zh-CN" altLang="en-US" smtClean="0"/>
               <a:t>‹#›</a:t>
             </a:fld>
@@ -2438,7 +2438,7 @@
     </p:spTree>
     <p:extLst>
       <p:ext uri="{BB962C8B-B14F-4D97-AF65-F5344CB8AC3E}">
-        <p14:creationId xmlns:p14="http://schemas.microsoft.com/office/powerpoint/2010/main" val="2707015493"/>
+        <p14:creationId xmlns:p14="http://schemas.microsoft.com/office/powerpoint/2010/main" val="1347406121"/>
       </p:ext>
     </p:extLst>
   </p:cSld>
@@ -2470,7 +2470,7 @@
           <p:cNvPr id="2" name="标题 1">
             <a:extLst>
               <a:ext uri="{FF2B5EF4-FFF2-40B4-BE49-F238E27FC236}">
-                <a16:creationId xmlns:a16="http://schemas.microsoft.com/office/drawing/2014/main" id="{EB4BB93D-009B-F7ED-6E30-516A61329406}"/>
+                <a16:creationId xmlns:a16="http://schemas.microsoft.com/office/drawing/2014/main" id="{DBD18A60-4965-65F9-D7FF-2816F48B9635}"/>
               </a:ext>
             </a:extLst>
           </p:cNvPr>
@@ -2507,7 +2507,7 @@
           <p:cNvPr id="3" name="图片占位符 2">
             <a:extLst>
               <a:ext uri="{FF2B5EF4-FFF2-40B4-BE49-F238E27FC236}">
-                <a16:creationId xmlns:a16="http://schemas.microsoft.com/office/drawing/2014/main" id="{23975EB3-9730-6000-4255-0242B168D2D1}"/>
+                <a16:creationId xmlns:a16="http://schemas.microsoft.com/office/drawing/2014/main" id="{CAAD7A06-2ACA-ED92-B11F-28231AFD5C22}"/>
               </a:ext>
             </a:extLst>
           </p:cNvPr>
@@ -2574,7 +2574,7 @@
           <p:cNvPr id="4" name="文本占位符 3">
             <a:extLst>
               <a:ext uri="{FF2B5EF4-FFF2-40B4-BE49-F238E27FC236}">
-                <a16:creationId xmlns:a16="http://schemas.microsoft.com/office/drawing/2014/main" id="{3FB76037-70BC-C212-194D-3CBBC2550832}"/>
+                <a16:creationId xmlns:a16="http://schemas.microsoft.com/office/drawing/2014/main" id="{15D1503D-1464-FD06-0D5F-B241F70C2BA3}"/>
               </a:ext>
             </a:extLst>
           </p:cNvPr>
@@ -2645,7 +2645,7 @@
           <p:cNvPr id="5" name="日期占位符 4">
             <a:extLst>
               <a:ext uri="{FF2B5EF4-FFF2-40B4-BE49-F238E27FC236}">
-                <a16:creationId xmlns:a16="http://schemas.microsoft.com/office/drawing/2014/main" id="{8E2005EA-77BF-7E86-2DF4-4E5A4C88AF1B}"/>
+                <a16:creationId xmlns:a16="http://schemas.microsoft.com/office/drawing/2014/main" id="{FCE90091-EAC5-C0A1-BA21-9CE35E543952}"/>
               </a:ext>
             </a:extLst>
           </p:cNvPr>
@@ -2661,7 +2661,7 @@
           <a:bodyPr/>
           <a:lstStyle/>
           <a:p>
-            <a:fld id="{548BBF91-367D-4BEA-BB62-8F6CFD08B182}" type="datetimeFigureOut">
+            <a:fld id="{39AE0C19-BA2B-41E3-BEAB-2259580E610E}" type="datetimeFigureOut">
               <a:rPr lang="zh-CN" altLang="en-US" smtClean="0"/>
               <a:t>2024/3/10</a:t>
             </a:fld>
@@ -2674,7 +2674,7 @@
           <p:cNvPr id="6" name="页脚占位符 5">
             <a:extLst>
               <a:ext uri="{FF2B5EF4-FFF2-40B4-BE49-F238E27FC236}">
-                <a16:creationId xmlns:a16="http://schemas.microsoft.com/office/drawing/2014/main" id="{B3725715-BD59-D9A0-C22F-7C4E80FE210D}"/>
+                <a16:creationId xmlns:a16="http://schemas.microsoft.com/office/drawing/2014/main" id="{4794407F-9478-C562-7B6A-3A1D6772038A}"/>
               </a:ext>
             </a:extLst>
           </p:cNvPr>
@@ -2699,7 +2699,7 @@
           <p:cNvPr id="7" name="灯片编号占位符 6">
             <a:extLst>
               <a:ext uri="{FF2B5EF4-FFF2-40B4-BE49-F238E27FC236}">
-                <a16:creationId xmlns:a16="http://schemas.microsoft.com/office/drawing/2014/main" id="{A709A37B-55B8-0DF3-3AC2-5816581ACD94}"/>
+                <a16:creationId xmlns:a16="http://schemas.microsoft.com/office/drawing/2014/main" id="{31E3C5BD-E54E-72FB-734F-6DC1BA5BBD86}"/>
               </a:ext>
             </a:extLst>
           </p:cNvPr>
@@ -2715,7 +2715,7 @@
           <a:bodyPr/>
           <a:lstStyle/>
           <a:p>
-            <a:fld id="{9C290CB9-100F-484F-8A98-8A3651EC6EA6}" type="slidenum">
+            <a:fld id="{44FC3834-76F9-4B6E-BA92-1BAD38EDFFB4}" type="slidenum">
               <a:rPr lang="zh-CN" altLang="en-US" smtClean="0"/>
               <a:t>‹#›</a:t>
             </a:fld>
@@ -2726,7 +2726,7 @@
     </p:spTree>
     <p:extLst>
       <p:ext uri="{BB962C8B-B14F-4D97-AF65-F5344CB8AC3E}">
-        <p14:creationId xmlns:p14="http://schemas.microsoft.com/office/powerpoint/2010/main" val="3789180185"/>
+        <p14:creationId xmlns:p14="http://schemas.microsoft.com/office/powerpoint/2010/main" val="3119356006"/>
       </p:ext>
     </p:extLst>
   </p:cSld>
@@ -2763,7 +2763,7 @@
           <p:cNvPr id="2" name="标题占位符 1">
             <a:extLst>
               <a:ext uri="{FF2B5EF4-FFF2-40B4-BE49-F238E27FC236}">
-                <a16:creationId xmlns:a16="http://schemas.microsoft.com/office/drawing/2014/main" id="{F24C8291-0A45-2B41-0ECB-F48716308C95}"/>
+                <a16:creationId xmlns:a16="http://schemas.microsoft.com/office/drawing/2014/main" id="{54772EF8-537A-7251-2E3D-B5BB4C2E8860}"/>
               </a:ext>
             </a:extLst>
           </p:cNvPr>
@@ -2801,7 +2801,7 @@
           <p:cNvPr id="3" name="文本占位符 2">
             <a:extLst>
               <a:ext uri="{FF2B5EF4-FFF2-40B4-BE49-F238E27FC236}">
-                <a16:creationId xmlns:a16="http://schemas.microsoft.com/office/drawing/2014/main" id="{C4FDC59D-DC4D-D9CC-2253-67D63A64997B}"/>
+                <a16:creationId xmlns:a16="http://schemas.microsoft.com/office/drawing/2014/main" id="{B52128DA-ACD0-EC4C-EFA1-C76044B47007}"/>
               </a:ext>
             </a:extLst>
           </p:cNvPr>
@@ -2868,7 +2868,7 @@
           <p:cNvPr id="4" name="日期占位符 3">
             <a:extLst>
               <a:ext uri="{FF2B5EF4-FFF2-40B4-BE49-F238E27FC236}">
-                <a16:creationId xmlns:a16="http://schemas.microsoft.com/office/drawing/2014/main" id="{DEC326F0-A1E2-D8E2-2971-A71873C5AD0E}"/>
+                <a16:creationId xmlns:a16="http://schemas.microsoft.com/office/drawing/2014/main" id="{7CA0B4FB-35DB-7092-DBC6-DC96CAAB5107}"/>
               </a:ext>
             </a:extLst>
           </p:cNvPr>
@@ -2902,7 +2902,7 @@
             </a:lvl1pPr>
           </a:lstStyle>
           <a:p>
-            <a:fld id="{548BBF91-367D-4BEA-BB62-8F6CFD08B182}" type="datetimeFigureOut">
+            <a:fld id="{39AE0C19-BA2B-41E3-BEAB-2259580E610E}" type="datetimeFigureOut">
               <a:rPr lang="zh-CN" altLang="en-US" smtClean="0"/>
               <a:t>2024/3/10</a:t>
             </a:fld>
@@ -2915,7 +2915,7 @@
           <p:cNvPr id="5" name="页脚占位符 4">
             <a:extLst>
               <a:ext uri="{FF2B5EF4-FFF2-40B4-BE49-F238E27FC236}">
-                <a16:creationId xmlns:a16="http://schemas.microsoft.com/office/drawing/2014/main" id="{4C3567F4-403E-F888-25B0-6A40E8EA19BC}"/>
+                <a16:creationId xmlns:a16="http://schemas.microsoft.com/office/drawing/2014/main" id="{171429F8-F8F3-25A6-7315-1FCC6150B11F}"/>
               </a:ext>
             </a:extLst>
           </p:cNvPr>
@@ -2958,7 +2958,7 @@
           <p:cNvPr id="6" name="灯片编号占位符 5">
             <a:extLst>
               <a:ext uri="{FF2B5EF4-FFF2-40B4-BE49-F238E27FC236}">
-                <a16:creationId xmlns:a16="http://schemas.microsoft.com/office/drawing/2014/main" id="{441FF25A-460A-0A4D-CC87-8D2D605F7150}"/>
+                <a16:creationId xmlns:a16="http://schemas.microsoft.com/office/drawing/2014/main" id="{BDE3E0CC-B2A9-743A-E8E8-6A6A162D93B1}"/>
               </a:ext>
             </a:extLst>
           </p:cNvPr>
@@ -2992,7 +2992,7 @@
             </a:lvl1pPr>
           </a:lstStyle>
           <a:p>
-            <a:fld id="{9C290CB9-100F-484F-8A98-8A3651EC6EA6}" type="slidenum">
+            <a:fld id="{44FC3834-76F9-4B6E-BA92-1BAD38EDFFB4}" type="slidenum">
               <a:rPr lang="zh-CN" altLang="en-US" smtClean="0"/>
               <a:t>‹#›</a:t>
             </a:fld>
@@ -3003,7 +3003,7 @@
     </p:spTree>
     <p:extLst>
       <p:ext uri="{BB962C8B-B14F-4D97-AF65-F5344CB8AC3E}">
-        <p14:creationId xmlns:p14="http://schemas.microsoft.com/office/powerpoint/2010/main" val="1075840629"/>
+        <p14:creationId xmlns:p14="http://schemas.microsoft.com/office/powerpoint/2010/main" val="3414506121"/>
       </p:ext>
     </p:extLst>
   </p:cSld>
@@ -3323,7 +3323,7 @@
       </p:grpSpPr>
       <p:pic>
         <p:nvPicPr>
-          <p:cNvPr id="1208322" name="Picture 2" descr="1179"/>
+          <p:cNvPr id="1209346" name="Picture 2" descr="1180"/>
           <p:cNvPicPr>
             <a:picLocks noChangeAspect="1" noChangeArrowheads="1"/>
           </p:cNvPicPr>
@@ -3344,8 +3344,8 @@
         </p:blipFill>
         <p:spPr bwMode="auto">
           <a:xfrm>
-            <a:off x="1524000" y="0"/>
-            <a:ext cx="9144000" cy="6858000"/>
+            <a:off x="1524000" y="1"/>
+            <a:ext cx="9124950" cy="6843713"/>
           </a:xfrm>
           <a:prstGeom prst="rect">
             <a:avLst/>
@@ -3375,11 +3375,158 @@
           </a:extLst>
         </p:spPr>
       </p:pic>
+      <p:pic>
+        <p:nvPicPr>
+          <p:cNvPr id="1210371" name="Picture 3" descr="1180-2"/>
+          <p:cNvPicPr>
+            <a:picLocks noChangeAspect="1" noChangeArrowheads="1"/>
+          </p:cNvPicPr>
+          <p:nvPr/>
+        </p:nvPicPr>
+        <p:blipFill>
+          <a:blip r:embed="rId3">
+            <a:extLst>
+              <a:ext uri="{28A0092B-C50C-407E-A947-70E740481C1C}">
+                <a14:useLocalDpi xmlns:a14="http://schemas.microsoft.com/office/drawing/2010/main" val="0"/>
+              </a:ext>
+            </a:extLst>
+          </a:blip>
+          <a:srcRect/>
+          <a:stretch>
+            <a:fillRect/>
+          </a:stretch>
+        </p:blipFill>
+        <p:spPr bwMode="auto">
+          <a:xfrm>
+            <a:off x="1524000" y="1"/>
+            <a:ext cx="9144000" cy="6856413"/>
+          </a:xfrm>
+          <a:prstGeom prst="rect">
+            <a:avLst/>
+          </a:prstGeom>
+          <a:noFill/>
+          <a:ln>
+            <a:noFill/>
+          </a:ln>
+          <a:effectLst/>
+          <a:extLst>
+            <a:ext uri="{909E8E84-426E-40DD-AFC4-6F175D3DCCD1}">
+              <a14:hiddenFill xmlns:a14="http://schemas.microsoft.com/office/drawing/2010/main">
+                <a:solidFill>
+                  <a:srgbClr val="FFFFFF"/>
+                </a:solidFill>
+              </a14:hiddenFill>
+            </a:ext>
+            <a:ext uri="{91240B29-F687-4F45-9708-019B960494DF}">
+              <a14:hiddenLine xmlns:a14="http://schemas.microsoft.com/office/drawing/2010/main" w="9525">
+                <a:solidFill>
+                  <a:srgbClr val="000000"/>
+                </a:solidFill>
+                <a:miter lim="800000"/>
+                <a:headEnd/>
+                <a:tailEnd/>
+              </a14:hiddenLine>
+            </a:ext>
+            <a:ext uri="{AF507438-7753-43E0-B8FC-AC1667EBCBE1}">
+              <a14:hiddenEffects xmlns:a14="http://schemas.microsoft.com/office/drawing/2010/main">
+                <a:effectLst>
+                  <a:outerShdw dist="35921" dir="2700000" algn="ctr" rotWithShape="0">
+                    <a:srgbClr val="808080"/>
+                  </a:outerShdw>
+                </a:effectLst>
+              </a14:hiddenEffects>
+            </a:ext>
+          </a:extLst>
+        </p:spPr>
+      </p:pic>
     </p:spTree>
   </p:cSld>
   <p:clrMapOvr>
     <a:masterClrMapping/>
   </p:clrMapOvr>
+  <p:timing>
+    <p:tnLst>
+      <p:par>
+        <p:cTn id="1" dur="indefinite" restart="never" nodeType="tmRoot">
+          <p:childTnLst>
+            <p:seq concurrent="1" nextAc="seek">
+              <p:cTn id="2" dur="indefinite" nodeType="mainSeq">
+                <p:childTnLst>
+                  <p:par>
+                    <p:cTn id="3" fill="hold" nodeType="clickPar">
+                      <p:stCondLst>
+                        <p:cond delay="indefinite"/>
+                      </p:stCondLst>
+                      <p:childTnLst>
+                        <p:par>
+                          <p:cTn id="4" fill="hold" nodeType="withGroup">
+                            <p:stCondLst>
+                              <p:cond delay="0"/>
+                            </p:stCondLst>
+                            <p:childTnLst>
+                              <p:par>
+                                <p:cTn id="5" presetID="10" presetClass="entr" presetSubtype="0" fill="hold" nodeType="clickEffect">
+                                  <p:stCondLst>
+                                    <p:cond delay="0"/>
+                                  </p:stCondLst>
+                                  <p:childTnLst>
+                                    <p:set>
+                                      <p:cBhvr>
+                                        <p:cTn id="6" dur="1" fill="hold">
+                                          <p:stCondLst>
+                                            <p:cond delay="0"/>
+                                          </p:stCondLst>
+                                        </p:cTn>
+                                        <p:tgtEl>
+                                          <p:spTgt spid="1210371"/>
+                                        </p:tgtEl>
+                                        <p:attrNameLst>
+                                          <p:attrName>style.visibility</p:attrName>
+                                        </p:attrNameLst>
+                                      </p:cBhvr>
+                                      <p:to>
+                                        <p:strVal val="visible"/>
+                                      </p:to>
+                                    </p:set>
+                                    <p:animEffect transition="in" filter="fade">
+                                      <p:cBhvr>
+                                        <p:cTn id="7" dur="500"/>
+                                        <p:tgtEl>
+                                          <p:spTgt spid="1210371"/>
+                                        </p:tgtEl>
+                                      </p:cBhvr>
+                                    </p:animEffect>
+                                  </p:childTnLst>
+                                </p:cTn>
+                              </p:par>
+                            </p:childTnLst>
+                          </p:cTn>
+                        </p:par>
+                      </p:childTnLst>
+                    </p:cTn>
+                  </p:par>
+                </p:childTnLst>
+              </p:cTn>
+              <p:prevCondLst>
+                <p:cond evt="onPrev" delay="0">
+                  <p:tgtEl>
+                    <p:sldTgt/>
+                  </p:tgtEl>
+                </p:cond>
+              </p:prevCondLst>
+              <p:nextCondLst>
+                <p:cond evt="onNext" delay="0">
+                  <p:tgtEl>
+                    <p:sldTgt/>
+                  </p:tgtEl>
+                </p:cond>
+              </p:nextCondLst>
+            </p:seq>
+          </p:childTnLst>
+        </p:cTn>
+      </p:par>
+    </p:tnLst>
+  </p:timing>
 </p:sld>
 </file>
 
